--- a/Programming for QA/2. Programming Advanced for QA/1. Strings and Text Processing and Regular Expressions/01. Lab/Presentation - Regular-Expressions-Regex.pptx
+++ b/Programming for QA/2. Programming Advanced for QA/1. Strings and Text Processing and Regular Expressions/01. Lab/Presentation - Regular-Expressions-Regex.pptx
@@ -325,7 +325,7 @@
           <a:p>
             <a:fld id="{4E087215-0C8F-4762-A664-737A353EC9A4}" type="datetimeFigureOut">
               <a:rPr lang="bg-BG" smtClean="0"/>
-              <a:t>7.11.2023 г.</a:t>
+              <a:t>29.11.2023 г.</a:t>
             </a:fld>
             <a:endParaRPr lang="bg-BG"/>
           </a:p>
@@ -516,7 +516,7 @@
           <a:p>
             <a:fld id="{72D84649-876A-46C9-8472-14CB09C070D8}" type="datetimeFigureOut">
               <a:rPr lang="en-US" smtClean="0"/>
-              <a:t>11/7/2023</a:t>
+              <a:t>11/29/2023</a:t>
             </a:fld>
             <a:endParaRPr lang="en-US"/>
           </a:p>
@@ -5445,7 +5445,7 @@
           <a:p>
             <a:fld id="{1CF2F75B-1C4E-1E47-AE31-5B79E79ADF4F}" type="datetimeFigureOut">
               <a:rPr lang="en-BG" smtClean="0"/>
-              <a:t>11/07/2023</a:t>
+              <a:t>11/29/2023</a:t>
             </a:fld>
             <a:endParaRPr lang="en-BG"/>
           </a:p>
@@ -15457,7 +15457,7 @@
         </p:nvSpPr>
         <p:spPr bwMode="auto">
           <a:xfrm>
-            <a:off x="609599" y="3428466"/>
+            <a:off x="765636" y="3428465"/>
             <a:ext cx="4648200" cy="1015663"/>
           </a:xfrm>
           <a:prstGeom prst="rect">
@@ -16873,7 +16873,7 @@
         </p:nvSpPr>
         <p:spPr>
           <a:xfrm>
-            <a:off x="3810000" y="5859000"/>
+            <a:off x="3810000" y="5963415"/>
             <a:ext cx="4648200" cy="692085"/>
           </a:xfrm>
           <a:prstGeom prst="rect">
